--- a/Khikkaton.pptx
+++ b/Khikkaton.pptx
@@ -7,11 +7,9 @@
   <p:sldIdLst>
     <p:sldId id="256" r:id="rId2"/>
     <p:sldId id="257" r:id="rId3"/>
-    <p:sldId id="258" r:id="rId4"/>
-    <p:sldId id="259" r:id="rId5"/>
-    <p:sldId id="260" r:id="rId6"/>
-    <p:sldId id="261" r:id="rId7"/>
-    <p:sldId id="262" r:id="rId8"/>
+    <p:sldId id="262" r:id="rId4"/>
+    <p:sldId id="258" r:id="rId5"/>
+    <p:sldId id="261" r:id="rId6"/>
   </p:sldIdLst>
   <p:sldSz cx="12192000" cy="6858000"/>
   <p:notesSz cx="6858000" cy="9144000"/>
@@ -110,6 +108,11 @@
       </a:defRPr>
     </a:lvl9pPr>
   </p:defaultTextStyle>
+  <p:extLst>
+    <p:ext uri="{EFAFB233-063F-42B5-8137-9DF3F51BA10A}">
+      <p15:sldGuideLst xmlns:p15="http://schemas.microsoft.com/office/powerpoint/2012/main"/>
+    </p:ext>
+  </p:extLst>
 </p:presentation>
 </file>
 
@@ -155,10 +158,9 @@
           </a:lstStyle>
           <a:p>
             <a:r>
-              <a:rPr lang="ru-RU" smtClean="0"/>
+              <a:rPr lang="ru-RU"/>
               <a:t>Образец заголовка</a:t>
             </a:r>
-            <a:endParaRPr lang="ru-RU"/>
           </a:p>
         </p:txBody>
       </p:sp>
@@ -220,10 +222,9 @@
           </a:lstStyle>
           <a:p>
             <a:r>
-              <a:rPr lang="ru-RU" smtClean="0"/>
+              <a:rPr lang="ru-RU"/>
               <a:t>Образец подзаголовка</a:t>
             </a:r>
-            <a:endParaRPr lang="ru-RU"/>
           </a:p>
         </p:txBody>
       </p:sp>
@@ -244,7 +245,7 @@
           <a:p>
             <a:fld id="{080BC607-E415-4F8B-B9E0-BF914CD3690E}" type="datetimeFigureOut">
               <a:rPr lang="ru-RU" smtClean="0"/>
-              <a:t>22.10.2021</a:t>
+              <a:t>23.10.2021</a:t>
             </a:fld>
             <a:endParaRPr lang="ru-RU" dirty="0"/>
           </a:p>
@@ -338,10 +339,9 @@
           <a:lstStyle/>
           <a:p>
             <a:r>
-              <a:rPr lang="ru-RU" smtClean="0"/>
+              <a:rPr lang="ru-RU"/>
               <a:t>Образец заголовка</a:t>
             </a:r>
-            <a:endParaRPr lang="ru-RU"/>
           </a:p>
         </p:txBody>
       </p:sp>
@@ -362,38 +362,37 @@
           <a:p>
             <a:pPr lvl="0"/>
             <a:r>
-              <a:rPr lang="ru-RU" smtClean="0"/>
+              <a:rPr lang="ru-RU"/>
               <a:t>Образец текста</a:t>
             </a:r>
           </a:p>
           <a:p>
             <a:pPr lvl="1"/>
             <a:r>
-              <a:rPr lang="ru-RU" smtClean="0"/>
+              <a:rPr lang="ru-RU"/>
               <a:t>Второй уровень</a:t>
             </a:r>
           </a:p>
           <a:p>
             <a:pPr lvl="2"/>
             <a:r>
-              <a:rPr lang="ru-RU" smtClean="0"/>
+              <a:rPr lang="ru-RU"/>
               <a:t>Третий уровень</a:t>
             </a:r>
           </a:p>
           <a:p>
             <a:pPr lvl="3"/>
             <a:r>
-              <a:rPr lang="ru-RU" smtClean="0"/>
+              <a:rPr lang="ru-RU"/>
               <a:t>Четвертый уровень</a:t>
             </a:r>
           </a:p>
           <a:p>
             <a:pPr lvl="4"/>
             <a:r>
-              <a:rPr lang="ru-RU" smtClean="0"/>
+              <a:rPr lang="ru-RU"/>
               <a:t>Пятый уровень</a:t>
             </a:r>
-            <a:endParaRPr lang="ru-RU"/>
           </a:p>
         </p:txBody>
       </p:sp>
@@ -414,7 +413,7 @@
           <a:p>
             <a:fld id="{080BC607-E415-4F8B-B9E0-BF914CD3690E}" type="datetimeFigureOut">
               <a:rPr lang="ru-RU" smtClean="0"/>
-              <a:t>22.10.2021</a:t>
+              <a:t>23.10.2021</a:t>
             </a:fld>
             <a:endParaRPr lang="ru-RU" dirty="0"/>
           </a:p>
@@ -513,10 +512,9 @@
           <a:lstStyle/>
           <a:p>
             <a:r>
-              <a:rPr lang="ru-RU" smtClean="0"/>
+              <a:rPr lang="ru-RU"/>
               <a:t>Образец заголовка</a:t>
             </a:r>
-            <a:endParaRPr lang="ru-RU"/>
           </a:p>
         </p:txBody>
       </p:sp>
@@ -542,38 +540,37 @@
           <a:p>
             <a:pPr lvl="0"/>
             <a:r>
-              <a:rPr lang="ru-RU" smtClean="0"/>
+              <a:rPr lang="ru-RU"/>
               <a:t>Образец текста</a:t>
             </a:r>
           </a:p>
           <a:p>
             <a:pPr lvl="1"/>
             <a:r>
-              <a:rPr lang="ru-RU" smtClean="0"/>
+              <a:rPr lang="ru-RU"/>
               <a:t>Второй уровень</a:t>
             </a:r>
           </a:p>
           <a:p>
             <a:pPr lvl="2"/>
             <a:r>
-              <a:rPr lang="ru-RU" smtClean="0"/>
+              <a:rPr lang="ru-RU"/>
               <a:t>Третий уровень</a:t>
             </a:r>
           </a:p>
           <a:p>
             <a:pPr lvl="3"/>
             <a:r>
-              <a:rPr lang="ru-RU" smtClean="0"/>
+              <a:rPr lang="ru-RU"/>
               <a:t>Четвертый уровень</a:t>
             </a:r>
           </a:p>
           <a:p>
             <a:pPr lvl="4"/>
             <a:r>
-              <a:rPr lang="ru-RU" smtClean="0"/>
+              <a:rPr lang="ru-RU"/>
               <a:t>Пятый уровень</a:t>
             </a:r>
-            <a:endParaRPr lang="ru-RU"/>
           </a:p>
         </p:txBody>
       </p:sp>
@@ -594,7 +591,7 @@
           <a:p>
             <a:fld id="{080BC607-E415-4F8B-B9E0-BF914CD3690E}" type="datetimeFigureOut">
               <a:rPr lang="ru-RU" smtClean="0"/>
-              <a:t>22.10.2021</a:t>
+              <a:t>23.10.2021</a:t>
             </a:fld>
             <a:endParaRPr lang="ru-RU" dirty="0"/>
           </a:p>
@@ -688,10 +685,9 @@
           <a:lstStyle/>
           <a:p>
             <a:r>
-              <a:rPr lang="ru-RU" smtClean="0"/>
+              <a:rPr lang="ru-RU"/>
               <a:t>Образец заголовка</a:t>
             </a:r>
-            <a:endParaRPr lang="ru-RU"/>
           </a:p>
         </p:txBody>
       </p:sp>
@@ -712,38 +708,37 @@
           <a:p>
             <a:pPr lvl="0"/>
             <a:r>
-              <a:rPr lang="ru-RU" smtClean="0"/>
+              <a:rPr lang="ru-RU"/>
               <a:t>Образец текста</a:t>
             </a:r>
           </a:p>
           <a:p>
             <a:pPr lvl="1"/>
             <a:r>
-              <a:rPr lang="ru-RU" smtClean="0"/>
+              <a:rPr lang="ru-RU"/>
               <a:t>Второй уровень</a:t>
             </a:r>
           </a:p>
           <a:p>
             <a:pPr lvl="2"/>
             <a:r>
-              <a:rPr lang="ru-RU" smtClean="0"/>
+              <a:rPr lang="ru-RU"/>
               <a:t>Третий уровень</a:t>
             </a:r>
           </a:p>
           <a:p>
             <a:pPr lvl="3"/>
             <a:r>
-              <a:rPr lang="ru-RU" smtClean="0"/>
+              <a:rPr lang="ru-RU"/>
               <a:t>Четвертый уровень</a:t>
             </a:r>
           </a:p>
           <a:p>
             <a:pPr lvl="4"/>
             <a:r>
-              <a:rPr lang="ru-RU" smtClean="0"/>
+              <a:rPr lang="ru-RU"/>
               <a:t>Пятый уровень</a:t>
             </a:r>
-            <a:endParaRPr lang="ru-RU"/>
           </a:p>
         </p:txBody>
       </p:sp>
@@ -764,7 +759,7 @@
           <a:p>
             <a:fld id="{080BC607-E415-4F8B-B9E0-BF914CD3690E}" type="datetimeFigureOut">
               <a:rPr lang="ru-RU" smtClean="0"/>
-              <a:t>22.10.2021</a:t>
+              <a:t>23.10.2021</a:t>
             </a:fld>
             <a:endParaRPr lang="ru-RU" dirty="0"/>
           </a:p>
@@ -867,10 +862,9 @@
           </a:lstStyle>
           <a:p>
             <a:r>
-              <a:rPr lang="ru-RU" smtClean="0"/>
+              <a:rPr lang="ru-RU"/>
               <a:t>Образец заголовка</a:t>
             </a:r>
-            <a:endParaRPr lang="ru-RU"/>
           </a:p>
         </p:txBody>
       </p:sp>
@@ -987,7 +981,7 @@
           <a:p>
             <a:pPr lvl="0"/>
             <a:r>
-              <a:rPr lang="ru-RU" smtClean="0"/>
+              <a:rPr lang="ru-RU"/>
               <a:t>Образец текста</a:t>
             </a:r>
           </a:p>
@@ -1010,7 +1004,7 @@
           <a:p>
             <a:fld id="{080BC607-E415-4F8B-B9E0-BF914CD3690E}" type="datetimeFigureOut">
               <a:rPr lang="ru-RU" smtClean="0"/>
-              <a:t>22.10.2021</a:t>
+              <a:t>23.10.2021</a:t>
             </a:fld>
             <a:endParaRPr lang="ru-RU" dirty="0"/>
           </a:p>
@@ -1104,10 +1098,9 @@
           <a:lstStyle/>
           <a:p>
             <a:r>
-              <a:rPr lang="ru-RU" smtClean="0"/>
+              <a:rPr lang="ru-RU"/>
               <a:t>Образец заголовка</a:t>
             </a:r>
-            <a:endParaRPr lang="ru-RU"/>
           </a:p>
         </p:txBody>
       </p:sp>
@@ -1133,38 +1126,37 @@
           <a:p>
             <a:pPr lvl="0"/>
             <a:r>
-              <a:rPr lang="ru-RU" smtClean="0"/>
+              <a:rPr lang="ru-RU"/>
               <a:t>Образец текста</a:t>
             </a:r>
           </a:p>
           <a:p>
             <a:pPr lvl="1"/>
             <a:r>
-              <a:rPr lang="ru-RU" smtClean="0"/>
+              <a:rPr lang="ru-RU"/>
               <a:t>Второй уровень</a:t>
             </a:r>
           </a:p>
           <a:p>
             <a:pPr lvl="2"/>
             <a:r>
-              <a:rPr lang="ru-RU" smtClean="0"/>
+              <a:rPr lang="ru-RU"/>
               <a:t>Третий уровень</a:t>
             </a:r>
           </a:p>
           <a:p>
             <a:pPr lvl="3"/>
             <a:r>
-              <a:rPr lang="ru-RU" smtClean="0"/>
+              <a:rPr lang="ru-RU"/>
               <a:t>Четвертый уровень</a:t>
             </a:r>
           </a:p>
           <a:p>
             <a:pPr lvl="4"/>
             <a:r>
-              <a:rPr lang="ru-RU" smtClean="0"/>
+              <a:rPr lang="ru-RU"/>
               <a:t>Пятый уровень</a:t>
             </a:r>
-            <a:endParaRPr lang="ru-RU"/>
           </a:p>
         </p:txBody>
       </p:sp>
@@ -1190,38 +1182,37 @@
           <a:p>
             <a:pPr lvl="0"/>
             <a:r>
-              <a:rPr lang="ru-RU" smtClean="0"/>
+              <a:rPr lang="ru-RU"/>
               <a:t>Образец текста</a:t>
             </a:r>
           </a:p>
           <a:p>
             <a:pPr lvl="1"/>
             <a:r>
-              <a:rPr lang="ru-RU" smtClean="0"/>
+              <a:rPr lang="ru-RU"/>
               <a:t>Второй уровень</a:t>
             </a:r>
           </a:p>
           <a:p>
             <a:pPr lvl="2"/>
             <a:r>
-              <a:rPr lang="ru-RU" smtClean="0"/>
+              <a:rPr lang="ru-RU"/>
               <a:t>Третий уровень</a:t>
             </a:r>
           </a:p>
           <a:p>
             <a:pPr lvl="3"/>
             <a:r>
-              <a:rPr lang="ru-RU" smtClean="0"/>
+              <a:rPr lang="ru-RU"/>
               <a:t>Четвертый уровень</a:t>
             </a:r>
           </a:p>
           <a:p>
             <a:pPr lvl="4"/>
             <a:r>
-              <a:rPr lang="ru-RU" smtClean="0"/>
+              <a:rPr lang="ru-RU"/>
               <a:t>Пятый уровень</a:t>
             </a:r>
-            <a:endParaRPr lang="ru-RU"/>
           </a:p>
         </p:txBody>
       </p:sp>
@@ -1242,7 +1233,7 @@
           <a:p>
             <a:fld id="{080BC607-E415-4F8B-B9E0-BF914CD3690E}" type="datetimeFigureOut">
               <a:rPr lang="ru-RU" smtClean="0"/>
-              <a:t>22.10.2021</a:t>
+              <a:t>23.10.2021</a:t>
             </a:fld>
             <a:endParaRPr lang="ru-RU" dirty="0"/>
           </a:p>
@@ -1341,10 +1332,9 @@
           <a:lstStyle/>
           <a:p>
             <a:r>
-              <a:rPr lang="ru-RU" smtClean="0"/>
+              <a:rPr lang="ru-RU"/>
               <a:t>Образец заголовка</a:t>
             </a:r>
-            <a:endParaRPr lang="ru-RU"/>
           </a:p>
         </p:txBody>
       </p:sp>
@@ -1407,7 +1397,7 @@
           <a:p>
             <a:pPr lvl="0"/>
             <a:r>
-              <a:rPr lang="ru-RU" smtClean="0"/>
+              <a:rPr lang="ru-RU"/>
               <a:t>Образец текста</a:t>
             </a:r>
           </a:p>
@@ -1435,38 +1425,37 @@
           <a:p>
             <a:pPr lvl="0"/>
             <a:r>
-              <a:rPr lang="ru-RU" smtClean="0"/>
+              <a:rPr lang="ru-RU"/>
               <a:t>Образец текста</a:t>
             </a:r>
           </a:p>
           <a:p>
             <a:pPr lvl="1"/>
             <a:r>
-              <a:rPr lang="ru-RU" smtClean="0"/>
+              <a:rPr lang="ru-RU"/>
               <a:t>Второй уровень</a:t>
             </a:r>
           </a:p>
           <a:p>
             <a:pPr lvl="2"/>
             <a:r>
-              <a:rPr lang="ru-RU" smtClean="0"/>
+              <a:rPr lang="ru-RU"/>
               <a:t>Третий уровень</a:t>
             </a:r>
           </a:p>
           <a:p>
             <a:pPr lvl="3"/>
             <a:r>
-              <a:rPr lang="ru-RU" smtClean="0"/>
+              <a:rPr lang="ru-RU"/>
               <a:t>Четвертый уровень</a:t>
             </a:r>
           </a:p>
           <a:p>
             <a:pPr lvl="4"/>
             <a:r>
-              <a:rPr lang="ru-RU" smtClean="0"/>
+              <a:rPr lang="ru-RU"/>
               <a:t>Пятый уровень</a:t>
             </a:r>
-            <a:endParaRPr lang="ru-RU"/>
           </a:p>
         </p:txBody>
       </p:sp>
@@ -1529,7 +1518,7 @@
           <a:p>
             <a:pPr lvl="0"/>
             <a:r>
-              <a:rPr lang="ru-RU" smtClean="0"/>
+              <a:rPr lang="ru-RU"/>
               <a:t>Образец текста</a:t>
             </a:r>
           </a:p>
@@ -1557,38 +1546,37 @@
           <a:p>
             <a:pPr lvl="0"/>
             <a:r>
-              <a:rPr lang="ru-RU" smtClean="0"/>
+              <a:rPr lang="ru-RU"/>
               <a:t>Образец текста</a:t>
             </a:r>
           </a:p>
           <a:p>
             <a:pPr lvl="1"/>
             <a:r>
-              <a:rPr lang="ru-RU" smtClean="0"/>
+              <a:rPr lang="ru-RU"/>
               <a:t>Второй уровень</a:t>
             </a:r>
           </a:p>
           <a:p>
             <a:pPr lvl="2"/>
             <a:r>
-              <a:rPr lang="ru-RU" smtClean="0"/>
+              <a:rPr lang="ru-RU"/>
               <a:t>Третий уровень</a:t>
             </a:r>
           </a:p>
           <a:p>
             <a:pPr lvl="3"/>
             <a:r>
-              <a:rPr lang="ru-RU" smtClean="0"/>
+              <a:rPr lang="ru-RU"/>
               <a:t>Четвертый уровень</a:t>
             </a:r>
           </a:p>
           <a:p>
             <a:pPr lvl="4"/>
             <a:r>
-              <a:rPr lang="ru-RU" smtClean="0"/>
+              <a:rPr lang="ru-RU"/>
               <a:t>Пятый уровень</a:t>
             </a:r>
-            <a:endParaRPr lang="ru-RU"/>
           </a:p>
         </p:txBody>
       </p:sp>
@@ -1609,7 +1597,7 @@
           <a:p>
             <a:fld id="{080BC607-E415-4F8B-B9E0-BF914CD3690E}" type="datetimeFigureOut">
               <a:rPr lang="ru-RU" smtClean="0"/>
-              <a:t>22.10.2021</a:t>
+              <a:t>23.10.2021</a:t>
             </a:fld>
             <a:endParaRPr lang="ru-RU" dirty="0"/>
           </a:p>
@@ -1703,10 +1691,9 @@
           <a:lstStyle/>
           <a:p>
             <a:r>
-              <a:rPr lang="ru-RU" smtClean="0"/>
+              <a:rPr lang="ru-RU"/>
               <a:t>Образец заголовка</a:t>
             </a:r>
-            <a:endParaRPr lang="ru-RU"/>
           </a:p>
         </p:txBody>
       </p:sp>
@@ -1727,7 +1714,7 @@
           <a:p>
             <a:fld id="{080BC607-E415-4F8B-B9E0-BF914CD3690E}" type="datetimeFigureOut">
               <a:rPr lang="ru-RU" smtClean="0"/>
-              <a:t>22.10.2021</a:t>
+              <a:t>23.10.2021</a:t>
             </a:fld>
             <a:endParaRPr lang="ru-RU" dirty="0"/>
           </a:p>
@@ -1822,7 +1809,7 @@
           <a:p>
             <a:fld id="{080BC607-E415-4F8B-B9E0-BF914CD3690E}" type="datetimeFigureOut">
               <a:rPr lang="ru-RU" smtClean="0"/>
-              <a:t>22.10.2021</a:t>
+              <a:t>23.10.2021</a:t>
             </a:fld>
             <a:endParaRPr lang="ru-RU" dirty="0"/>
           </a:p>
@@ -1925,10 +1912,9 @@
           </a:lstStyle>
           <a:p>
             <a:r>
-              <a:rPr lang="ru-RU" smtClean="0"/>
+              <a:rPr lang="ru-RU"/>
               <a:t>Образец заголовка</a:t>
             </a:r>
-            <a:endParaRPr lang="ru-RU"/>
           </a:p>
         </p:txBody>
       </p:sp>
@@ -1982,38 +1968,37 @@
           <a:p>
             <a:pPr lvl="0"/>
             <a:r>
-              <a:rPr lang="ru-RU" smtClean="0"/>
+              <a:rPr lang="ru-RU"/>
               <a:t>Образец текста</a:t>
             </a:r>
           </a:p>
           <a:p>
             <a:pPr lvl="1"/>
             <a:r>
-              <a:rPr lang="ru-RU" smtClean="0"/>
+              <a:rPr lang="ru-RU"/>
               <a:t>Второй уровень</a:t>
             </a:r>
           </a:p>
           <a:p>
             <a:pPr lvl="2"/>
             <a:r>
-              <a:rPr lang="ru-RU" smtClean="0"/>
+              <a:rPr lang="ru-RU"/>
               <a:t>Третий уровень</a:t>
             </a:r>
           </a:p>
           <a:p>
             <a:pPr lvl="3"/>
             <a:r>
-              <a:rPr lang="ru-RU" smtClean="0"/>
+              <a:rPr lang="ru-RU"/>
               <a:t>Четвертый уровень</a:t>
             </a:r>
           </a:p>
           <a:p>
             <a:pPr lvl="4"/>
             <a:r>
-              <a:rPr lang="ru-RU" smtClean="0"/>
+              <a:rPr lang="ru-RU"/>
               <a:t>Пятый уровень</a:t>
             </a:r>
-            <a:endParaRPr lang="ru-RU"/>
           </a:p>
         </p:txBody>
       </p:sp>
@@ -2076,7 +2061,7 @@
           <a:p>
             <a:pPr lvl="0"/>
             <a:r>
-              <a:rPr lang="ru-RU" smtClean="0"/>
+              <a:rPr lang="ru-RU"/>
               <a:t>Образец текста</a:t>
             </a:r>
           </a:p>
@@ -2099,7 +2084,7 @@
           <a:p>
             <a:fld id="{080BC607-E415-4F8B-B9E0-BF914CD3690E}" type="datetimeFigureOut">
               <a:rPr lang="ru-RU" smtClean="0"/>
-              <a:t>22.10.2021</a:t>
+              <a:t>23.10.2021</a:t>
             </a:fld>
             <a:endParaRPr lang="ru-RU" dirty="0"/>
           </a:p>
@@ -2202,10 +2187,9 @@
           </a:lstStyle>
           <a:p>
             <a:r>
-              <a:rPr lang="ru-RU" smtClean="0"/>
+              <a:rPr lang="ru-RU"/>
               <a:t>Образец заголовка</a:t>
             </a:r>
-            <a:endParaRPr lang="ru-RU"/>
           </a:p>
         </p:txBody>
       </p:sp>
@@ -2329,7 +2313,7 @@
           <a:p>
             <a:pPr lvl="0"/>
             <a:r>
-              <a:rPr lang="ru-RU" smtClean="0"/>
+              <a:rPr lang="ru-RU"/>
               <a:t>Образец текста</a:t>
             </a:r>
           </a:p>
@@ -2352,7 +2336,7 @@
           <a:p>
             <a:fld id="{080BC607-E415-4F8B-B9E0-BF914CD3690E}" type="datetimeFigureOut">
               <a:rPr lang="ru-RU" smtClean="0"/>
-              <a:t>22.10.2021</a:t>
+              <a:t>23.10.2021</a:t>
             </a:fld>
             <a:endParaRPr lang="ru-RU" dirty="0"/>
           </a:p>
@@ -2482,10 +2466,9 @@
           <a:lstStyle/>
           <a:p>
             <a:r>
-              <a:rPr lang="ru-RU" smtClean="0"/>
+              <a:rPr lang="ru-RU"/>
               <a:t>Образец заголовка</a:t>
             </a:r>
-            <a:endParaRPr lang="ru-RU"/>
           </a:p>
         </p:txBody>
       </p:sp>
@@ -2516,38 +2499,37 @@
           <a:p>
             <a:pPr lvl="0"/>
             <a:r>
-              <a:rPr lang="ru-RU" smtClean="0"/>
+              <a:rPr lang="ru-RU"/>
               <a:t>Образец текста</a:t>
             </a:r>
           </a:p>
           <a:p>
             <a:pPr lvl="1"/>
             <a:r>
-              <a:rPr lang="ru-RU" smtClean="0"/>
+              <a:rPr lang="ru-RU"/>
               <a:t>Второй уровень</a:t>
             </a:r>
           </a:p>
           <a:p>
             <a:pPr lvl="2"/>
             <a:r>
-              <a:rPr lang="ru-RU" smtClean="0"/>
+              <a:rPr lang="ru-RU"/>
               <a:t>Третий уровень</a:t>
             </a:r>
           </a:p>
           <a:p>
             <a:pPr lvl="3"/>
             <a:r>
-              <a:rPr lang="ru-RU" smtClean="0"/>
+              <a:rPr lang="ru-RU"/>
               <a:t>Четвертый уровень</a:t>
             </a:r>
           </a:p>
           <a:p>
             <a:pPr lvl="4"/>
             <a:r>
-              <a:rPr lang="ru-RU" smtClean="0"/>
+              <a:rPr lang="ru-RU"/>
               <a:t>Пятый уровень</a:t>
             </a:r>
-            <a:endParaRPr lang="ru-RU"/>
           </a:p>
         </p:txBody>
       </p:sp>
@@ -2586,7 +2568,7 @@
           <a:p>
             <a:fld id="{080BC607-E415-4F8B-B9E0-BF914CD3690E}" type="datetimeFigureOut">
               <a:rPr lang="ru-RU" smtClean="0"/>
-              <a:t>22.10.2021</a:t>
+              <a:t>23.10.2021</a:t>
             </a:fld>
             <a:endParaRPr lang="ru-RU" dirty="0"/>
           </a:p>
@@ -3015,7 +2997,7 @@
           <a:p>
             <a:pPr algn="l"/>
             <a:r>
-              <a:rPr lang="ru-RU" sz="4000" b="1" dirty="0" smtClean="0">
+              <a:rPr lang="ru-RU" sz="4000" b="1" dirty="0">
                 <a:solidFill>
                   <a:srgbClr val="002060"/>
                 </a:solidFill>
@@ -3023,12 +3005,6 @@
               </a:rPr>
               <a:t>Проектирование автоматизированной системы управления дорожным движением</a:t>
             </a:r>
-            <a:endParaRPr lang="ru-RU" sz="4000" b="1" dirty="0">
-              <a:solidFill>
-                <a:srgbClr val="002060"/>
-              </a:solidFill>
-              <a:latin typeface="+mn-lt"/>
-            </a:endParaRPr>
           </a:p>
         </p:txBody>
       </p:sp>
@@ -3056,33 +3032,24 @@
           <a:p>
             <a:pPr algn="l"/>
             <a:r>
-              <a:rPr lang="ru-RU" sz="2800" b="1" dirty="0" smtClean="0">
+              <a:rPr lang="ru-RU" sz="2800" b="1" dirty="0">
                 <a:solidFill>
                   <a:srgbClr val="002060"/>
                 </a:solidFill>
               </a:rPr>
               <a:t>Хакатон</a:t>
             </a:r>
-            <a:r>
-              <a:rPr lang="ru-RU" sz="2800" dirty="0" smtClean="0"/>
-              <a:t/>
-            </a:r>
             <a:br>
-              <a:rPr lang="ru-RU" sz="2800" dirty="0" smtClean="0"/>
+              <a:rPr lang="ru-RU" sz="2800" dirty="0"/>
             </a:br>
             <a:r>
-              <a:rPr lang="ru-RU" sz="2800" dirty="0" smtClean="0">
+              <a:rPr lang="ru-RU" sz="2800" dirty="0">
                 <a:solidFill>
                   <a:srgbClr val="1038FF"/>
                 </a:solidFill>
               </a:rPr>
               <a:t>Транспорт и логистика</a:t>
             </a:r>
-            <a:endParaRPr lang="ru-RU" sz="2800" dirty="0">
-              <a:solidFill>
-                <a:srgbClr val="1038FF"/>
-              </a:solidFill>
-            </a:endParaRPr>
           </a:p>
         </p:txBody>
       </p:sp>
@@ -3149,18 +3116,13 @@
           <a:p>
             <a:pPr algn="r"/>
             <a:r>
-              <a:rPr lang="ru-RU" sz="2600" b="1" dirty="0" smtClean="0">
+              <a:rPr lang="ru-RU" sz="2600" b="1" dirty="0">
                 <a:solidFill>
                   <a:srgbClr val="002060"/>
                 </a:solidFill>
               </a:rPr>
               <a:t>Члены команды «Хиккатон»</a:t>
             </a:r>
-            <a:endParaRPr lang="ru-RU" sz="2600" b="1" dirty="0">
-              <a:solidFill>
-                <a:srgbClr val="002060"/>
-              </a:solidFill>
-            </a:endParaRPr>
           </a:p>
         </p:txBody>
       </p:sp>
@@ -3188,7 +3150,7 @@
           <a:p>
             <a:pPr algn="r"/>
             <a:r>
-              <a:rPr lang="ru-RU" sz="2400" dirty="0" smtClean="0">
+              <a:rPr lang="ru-RU" sz="2400" dirty="0">
                 <a:solidFill>
                   <a:srgbClr val="1038FF"/>
                 </a:solidFill>
@@ -3196,14 +3158,14 @@
               <a:t>Курочкин Дмитрий</a:t>
             </a:r>
             <a:br>
-              <a:rPr lang="ru-RU" sz="2400" dirty="0" smtClean="0">
+              <a:rPr lang="ru-RU" sz="2400" dirty="0">
                 <a:solidFill>
                   <a:srgbClr val="1038FF"/>
                 </a:solidFill>
               </a:rPr>
             </a:br>
             <a:r>
-              <a:rPr lang="ru-RU" sz="2400" dirty="0" smtClean="0">
+              <a:rPr lang="ru-RU" sz="2400" dirty="0">
                 <a:solidFill>
                   <a:srgbClr val="1038FF"/>
                 </a:solidFill>
@@ -3211,14 +3173,14 @@
               <a:t>Бровкин Артем</a:t>
             </a:r>
             <a:br>
-              <a:rPr lang="ru-RU" sz="2400" dirty="0" smtClean="0">
+              <a:rPr lang="ru-RU" sz="2400" dirty="0">
                 <a:solidFill>
                   <a:srgbClr val="1038FF"/>
                 </a:solidFill>
               </a:rPr>
             </a:br>
             <a:r>
-              <a:rPr lang="ru-RU" sz="2400" dirty="0" smtClean="0">
+              <a:rPr lang="ru-RU" sz="2400" dirty="0">
                 <a:solidFill>
                   <a:srgbClr val="1038FF"/>
                 </a:solidFill>
@@ -3226,14 +3188,14 @@
               <a:t>Мнавер Анас</a:t>
             </a:r>
             <a:br>
-              <a:rPr lang="ru-RU" sz="2400" dirty="0" smtClean="0">
+              <a:rPr lang="ru-RU" sz="2400" dirty="0">
                 <a:solidFill>
                   <a:srgbClr val="1038FF"/>
                 </a:solidFill>
               </a:rPr>
             </a:br>
             <a:r>
-              <a:rPr lang="ru-RU" sz="2400" dirty="0" smtClean="0">
+              <a:rPr lang="ru-RU" sz="2400" dirty="0">
                 <a:solidFill>
                   <a:srgbClr val="1038FF"/>
                 </a:solidFill>
@@ -3241,25 +3203,20 @@
               <a:t>Мельников Илья</a:t>
             </a:r>
             <a:br>
-              <a:rPr lang="ru-RU" sz="2400" dirty="0" smtClean="0">
+              <a:rPr lang="ru-RU" sz="2400" dirty="0">
                 <a:solidFill>
                   <a:srgbClr val="1038FF"/>
                 </a:solidFill>
               </a:rPr>
             </a:br>
             <a:r>
-              <a:rPr lang="ru-RU" sz="2400" dirty="0" smtClean="0">
+              <a:rPr lang="ru-RU" sz="2400" dirty="0">
                 <a:solidFill>
                   <a:srgbClr val="1038FF"/>
                 </a:solidFill>
               </a:rPr>
               <a:t>Лашко Григорий</a:t>
             </a:r>
-            <a:endParaRPr lang="ru-RU" sz="2400" dirty="0">
-              <a:solidFill>
-                <a:srgbClr val="1038FF"/>
-              </a:solidFill>
-            </a:endParaRPr>
           </a:p>
         </p:txBody>
       </p:sp>
@@ -3438,7 +3395,7 @@
           <a:lstStyle/>
           <a:p>
             <a:r>
-              <a:rPr lang="ru-RU" sz="5300" b="1" dirty="0" smtClean="0">
+              <a:rPr lang="ru-RU" sz="5300" b="1" dirty="0">
                 <a:solidFill>
                   <a:schemeClr val="accent2">
                     <a:lumMod val="75000"/>
@@ -3490,7 +3447,7 @@
           <a:lstStyle/>
           <a:p>
             <a:r>
-              <a:rPr lang="ru-RU" sz="3600" dirty="0" smtClean="0">
+              <a:rPr lang="ru-RU" sz="3600" dirty="0">
                 <a:solidFill>
                   <a:srgbClr val="002060"/>
                 </a:solidFill>
@@ -3529,7 +3486,7 @@
           <a:p>
             <a:pPr algn="r"/>
             <a:r>
-              <a:rPr lang="ru-RU" sz="2600" b="1" dirty="0" smtClean="0">
+              <a:rPr lang="ru-RU" sz="2600" b="1" dirty="0">
                 <a:solidFill>
                   <a:schemeClr val="accent2">
                     <a:lumMod val="75000"/>
@@ -3539,14 +3496,6 @@
               </a:rPr>
               <a:t>Проектирование автоматизированной системы управления дорожным движением для Центра организации дорожного движения Правительства Москвы</a:t>
             </a:r>
-            <a:endParaRPr lang="ru-RU" sz="2600" b="1" dirty="0">
-              <a:solidFill>
-                <a:schemeClr val="accent2">
-                  <a:lumMod val="75000"/>
-                </a:schemeClr>
-              </a:solidFill>
-              <a:latin typeface="+mj-lt"/>
-            </a:endParaRPr>
           </a:p>
         </p:txBody>
       </p:sp>
@@ -3574,7 +3523,7 @@
           <a:p>
             <a:pPr algn="r"/>
             <a:r>
-              <a:rPr lang="ru-RU" sz="2600" b="1" dirty="0" smtClean="0">
+              <a:rPr lang="ru-RU" sz="2600" b="1" dirty="0">
                 <a:solidFill>
                   <a:srgbClr val="002060"/>
                 </a:solidFill>
@@ -3582,12 +3531,6 @@
               </a:rPr>
               <a:t>Комплексное развитие транспортной сферы в городе приводит к необходимости модернизации существующих алгоритмов управления транспортными потоками</a:t>
             </a:r>
-            <a:endParaRPr lang="ru-RU" sz="2600" b="1" dirty="0">
-              <a:solidFill>
-                <a:srgbClr val="002060"/>
-              </a:solidFill>
-              <a:latin typeface="+mj-lt"/>
-            </a:endParaRPr>
           </a:p>
         </p:txBody>
       </p:sp>
@@ -3691,46 +3634,356 @@
             <p:ph type="title"/>
           </p:nvPr>
         </p:nvSpPr>
-        <p:spPr/>
-        <p:txBody>
-          <a:bodyPr/>
-          <a:lstStyle/>
-          <a:p>
-            <a:r>
-              <a:rPr lang="en-US" dirty="0" smtClean="0"/>
-              <a:t>1 </a:t>
-            </a:r>
-            <a:r>
-              <a:rPr lang="ru-RU" dirty="0" smtClean="0"/>
-              <a:t>задача</a:t>
+        <p:spPr>
+          <a:xfrm>
+            <a:off x="0" y="0"/>
+            <a:ext cx="12192000" cy="522900"/>
+          </a:xfrm>
+        </p:spPr>
+        <p:txBody>
+          <a:bodyPr>
+            <a:normAutofit fontScale="90000"/>
+          </a:bodyPr>
+          <a:lstStyle/>
+          <a:p>
+            <a:r>
+              <a:rPr lang="ru-RU" sz="3200" b="1" dirty="0">
+                <a:solidFill>
+                  <a:srgbClr val="002060"/>
+                </a:solidFill>
+              </a:rPr>
+              <a:t>1. Разработка алгоритма кэширования локальной программы</a:t>
+            </a:r>
+          </a:p>
+        </p:txBody>
+      </p:sp>
+      <p:sp>
+        <p:nvSpPr>
+          <p:cNvPr id="3" name="Объект 2"/>
+          <p:cNvSpPr>
+            <a:spLocks noGrp="1"/>
+          </p:cNvSpPr>
+          <p:nvPr>
+            <p:ph idx="1"/>
+          </p:nvPr>
+        </p:nvSpPr>
+        <p:spPr>
+          <a:xfrm>
+            <a:off x="108332" y="711716"/>
+            <a:ext cx="12083668" cy="6146284"/>
+          </a:xfrm>
+        </p:spPr>
+        <p:txBody>
+          <a:bodyPr>
+            <a:normAutofit fontScale="92500" lnSpcReduction="20000"/>
+          </a:bodyPr>
+          <a:lstStyle/>
+          <a:p>
+            <a:pPr marL="0" indent="0">
+              <a:buNone/>
+            </a:pPr>
+            <a:r>
+              <a:rPr lang="ru-RU" sz="3200" dirty="0">
+                <a:solidFill>
+                  <a:srgbClr val="002060"/>
+                </a:solidFill>
+              </a:rPr>
+              <a:t>Модель решения: </a:t>
+            </a:r>
+          </a:p>
+          <a:p>
+            <a:pPr marL="514350" indent="-514350">
+              <a:buAutoNum type="arabicParenR"/>
+            </a:pPr>
+            <a:r>
+              <a:rPr lang="ru-RU" sz="3200" dirty="0">
+                <a:solidFill>
+                  <a:srgbClr val="002060"/>
+                </a:solidFill>
+              </a:rPr>
+              <a:t>Выполнить запрос</a:t>
+            </a:r>
+          </a:p>
+          <a:p>
+            <a:pPr marL="514350" indent="-514350">
+              <a:buAutoNum type="arabicParenR"/>
+            </a:pPr>
+            <a:r>
+              <a:rPr lang="ru-RU" sz="3200" dirty="0">
+                <a:solidFill>
+                  <a:srgbClr val="002060"/>
+                </a:solidFill>
+              </a:rPr>
+              <a:t>Определить фазу</a:t>
+            </a:r>
+          </a:p>
+          <a:p>
+            <a:pPr marL="514350" indent="-514350">
+              <a:buAutoNum type="arabicParenR"/>
+            </a:pPr>
+            <a:r>
+              <a:rPr lang="ru-RU" sz="3200" dirty="0">
+                <a:solidFill>
+                  <a:srgbClr val="002060"/>
+                </a:solidFill>
+              </a:rPr>
+              <a:t>Добавить к длине фазы 1</a:t>
+            </a:r>
+          </a:p>
+          <a:p>
+            <a:pPr marL="514350" indent="-514350">
+              <a:buAutoNum type="arabicParenR"/>
+            </a:pPr>
+            <a:r>
+              <a:rPr lang="ru-RU" sz="3200" dirty="0">
+                <a:solidFill>
+                  <a:srgbClr val="002060"/>
+                </a:solidFill>
+              </a:rPr>
+              <a:t>Через </a:t>
+            </a:r>
+            <a:r>
+              <a:rPr lang="en-US" sz="3200" dirty="0" err="1">
+                <a:solidFill>
+                  <a:srgbClr val="002060"/>
+                </a:solidFill>
+              </a:rPr>
+              <a:t>T_cycle</a:t>
+            </a:r>
+            <a:r>
+              <a:rPr lang="en-US" sz="3200" dirty="0">
+                <a:solidFill>
+                  <a:srgbClr val="002060"/>
+                </a:solidFill>
+              </a:rPr>
+              <a:t> </a:t>
+            </a:r>
+            <a:r>
+              <a:rPr lang="ru-RU" sz="3200" dirty="0">
+                <a:solidFill>
+                  <a:srgbClr val="002060"/>
+                </a:solidFill>
+              </a:rPr>
+              <a:t>повторений будет составлена локальная программа</a:t>
+            </a:r>
+          </a:p>
+          <a:p>
+            <a:pPr marL="514350" indent="-514350">
+              <a:buAutoNum type="arabicParenR"/>
+            </a:pPr>
+            <a:r>
+              <a:rPr lang="ru-RU" sz="3200" dirty="0">
+                <a:solidFill>
+                  <a:srgbClr val="002060"/>
+                </a:solidFill>
+              </a:rPr>
+              <a:t>Программа записывается в файл </a:t>
+            </a:r>
+            <a:r>
+              <a:rPr lang="en-US" sz="3200" dirty="0">
+                <a:solidFill>
+                  <a:srgbClr val="002060"/>
+                </a:solidFill>
+              </a:rPr>
+              <a:t>log.txt </a:t>
+            </a:r>
+            <a:r>
+              <a:rPr lang="ru-RU" sz="3200" dirty="0">
+                <a:solidFill>
+                  <a:srgbClr val="002060"/>
+                </a:solidFill>
+              </a:rPr>
+              <a:t>в формате </a:t>
+            </a:r>
+            <a:r>
+              <a:rPr lang="en-US" sz="3200" dirty="0">
+                <a:solidFill>
+                  <a:srgbClr val="002060"/>
+                </a:solidFill>
+              </a:rPr>
+              <a:t>json </a:t>
+            </a:r>
+            <a:r>
+              <a:rPr lang="ru-RU" sz="3200" dirty="0">
+                <a:solidFill>
+                  <a:srgbClr val="002060"/>
+                </a:solidFill>
+              </a:rPr>
+              <a:t>в бинарном виде</a:t>
+            </a:r>
+            <a:br>
+              <a:rPr lang="ru-RU" sz="3200" dirty="0">
+                <a:solidFill>
+                  <a:srgbClr val="002060"/>
+                </a:solidFill>
+              </a:rPr>
+            </a:br>
+            <a:endParaRPr lang="ru-RU" sz="3200" dirty="0">
+              <a:solidFill>
+                <a:srgbClr val="002060"/>
+              </a:solidFill>
+            </a:endParaRPr>
+          </a:p>
+          <a:p>
+            <a:pPr marL="0" indent="0">
+              <a:buNone/>
+            </a:pPr>
+            <a:endParaRPr lang="ru-RU" sz="3200" dirty="0">
+              <a:solidFill>
+                <a:srgbClr val="002060"/>
+              </a:solidFill>
+            </a:endParaRPr>
+          </a:p>
+          <a:p>
+            <a:pPr marL="0" indent="0">
+              <a:buNone/>
+            </a:pPr>
+            <a:r>
+              <a:rPr lang="ru-RU" sz="3200" dirty="0">
+                <a:solidFill>
+                  <a:srgbClr val="002060"/>
+                </a:solidFill>
+              </a:rPr>
+              <a:t>Особенности решения:</a:t>
             </a:r>
             <a:endParaRPr lang="ru-RU" dirty="0"/>
           </a:p>
-        </p:txBody>
-      </p:sp>
-      <p:sp>
-        <p:nvSpPr>
-          <p:cNvPr id="3" name="Объект 2"/>
-          <p:cNvSpPr>
-            <a:spLocks noGrp="1"/>
-          </p:cNvSpPr>
-          <p:nvPr>
-            <p:ph idx="1"/>
-          </p:nvPr>
-        </p:nvSpPr>
-        <p:spPr/>
-        <p:txBody>
-          <a:bodyPr/>
-          <a:lstStyle/>
-          <a:p>
-            <a:endParaRPr lang="ru-RU"/>
-          </a:p>
-        </p:txBody>
-      </p:sp>
+          <a:p>
+            <a:r>
+              <a:rPr lang="ru-RU" dirty="0">
+                <a:solidFill>
+                  <a:srgbClr val="0078D2"/>
+                </a:solidFill>
+              </a:rPr>
+              <a:t>Чтобы определить длину фаз, можно проверять изменение фазы с периодичностью (</a:t>
+            </a:r>
+            <a:r>
+              <a:rPr lang="en-US" dirty="0" err="1">
+                <a:solidFill>
+                  <a:srgbClr val="0078D2"/>
+                </a:solidFill>
+              </a:rPr>
+              <a:t>T_cycle</a:t>
+            </a:r>
+            <a:r>
+              <a:rPr lang="en-US" dirty="0">
+                <a:solidFill>
+                  <a:srgbClr val="0078D2"/>
+                </a:solidFill>
+              </a:rPr>
+              <a:t>+</a:t>
+            </a:r>
+            <a:r>
+              <a:rPr lang="ru-RU" dirty="0">
+                <a:solidFill>
+                  <a:srgbClr val="0078D2"/>
+                </a:solidFill>
+              </a:rPr>
+              <a:t>1) и добавлять к времени текущей фазы 1.</a:t>
+            </a:r>
+          </a:p>
+          <a:p>
+            <a:pPr marL="0" indent="0">
+              <a:buNone/>
+            </a:pPr>
+            <a:endParaRPr lang="ru-RU" dirty="0">
+              <a:solidFill>
+                <a:srgbClr val="0078D2"/>
+              </a:solidFill>
+            </a:endParaRPr>
+          </a:p>
+          <a:p>
+            <a:r>
+              <a:rPr lang="ru-RU" dirty="0">
+                <a:solidFill>
+                  <a:srgbClr val="0078D2"/>
+                </a:solidFill>
+              </a:rPr>
+              <a:t>Для определения уникальности текущей программы учитываем её </a:t>
+            </a:r>
+            <a:r>
+              <a:rPr lang="en-US" dirty="0">
+                <a:solidFill>
+                  <a:srgbClr val="0078D2"/>
+                </a:solidFill>
+              </a:rPr>
+              <a:t>id</a:t>
+            </a:r>
+            <a:r>
+              <a:rPr lang="ru-RU" dirty="0">
+                <a:solidFill>
+                  <a:srgbClr val="0078D2"/>
+                </a:solidFill>
+              </a:rPr>
+              <a:t>.</a:t>
+            </a:r>
+            <a:r>
+              <a:rPr lang="en-US" dirty="0">
+                <a:solidFill>
+                  <a:srgbClr val="0078D2"/>
+                </a:solidFill>
+              </a:rPr>
+              <a:t> </a:t>
+            </a:r>
+            <a:endParaRPr lang="ru-RU" dirty="0">
+              <a:solidFill>
+                <a:srgbClr val="0078D2"/>
+              </a:solidFill>
+            </a:endParaRPr>
+          </a:p>
+        </p:txBody>
+      </p:sp>
+      <p:cxnSp>
+        <p:nvCxnSpPr>
+          <p:cNvPr id="5" name="Прямая соединительная линия 4"/>
+          <p:cNvCxnSpPr/>
+          <p:nvPr/>
+        </p:nvCxnSpPr>
+        <p:spPr>
+          <a:xfrm flipV="1">
+            <a:off x="108332" y="517160"/>
+            <a:ext cx="11975335" cy="2"/>
+          </a:xfrm>
+          <a:prstGeom prst="line">
+            <a:avLst/>
+          </a:prstGeom>
+          <a:ln w="34925">
+            <a:gradFill>
+              <a:gsLst>
+                <a:gs pos="0">
+                  <a:schemeClr val="accent2">
+                    <a:lumMod val="75000"/>
+                  </a:schemeClr>
+                </a:gs>
+                <a:gs pos="100000">
+                  <a:schemeClr val="accent1">
+                    <a:lumMod val="75000"/>
+                  </a:schemeClr>
+                </a:gs>
+              </a:gsLst>
+              <a:lin ang="0" scaled="0"/>
+            </a:gradFill>
+          </a:ln>
+        </p:spPr>
+        <p:style>
+          <a:lnRef idx="3">
+            <a:schemeClr val="accent2"/>
+          </a:lnRef>
+          <a:fillRef idx="0">
+            <a:schemeClr val="accent2"/>
+          </a:fillRef>
+          <a:effectRef idx="2">
+            <a:schemeClr val="accent2"/>
+          </a:effectRef>
+          <a:fontRef idx="minor">
+            <a:schemeClr val="tx1"/>
+          </a:fontRef>
+        </p:style>
+      </p:cxnSp>
     </p:spTree>
     <p:extLst>
       <p:ext uri="{BB962C8B-B14F-4D97-AF65-F5344CB8AC3E}">
-        <p14:creationId xmlns:p14="http://schemas.microsoft.com/office/powerpoint/2010/main" val="1965072882"/>
+        <p14:creationId xmlns:p14="http://schemas.microsoft.com/office/powerpoint/2010/main" val="3747533771"/>
       </p:ext>
     </p:extLst>
   </p:cSld>
@@ -3767,16 +4020,31 @@
             <p:ph type="title"/>
           </p:nvPr>
         </p:nvSpPr>
-        <p:spPr/>
-        <p:txBody>
-          <a:bodyPr/>
-          <a:lstStyle/>
-          <a:p>
-            <a:r>
-              <a:rPr lang="ru-RU" dirty="0" smtClean="0"/>
-              <a:t>2 задача</a:t>
-            </a:r>
-            <a:endParaRPr lang="ru-RU" dirty="0"/>
+        <p:spPr>
+          <a:xfrm>
+            <a:off x="0" y="183079"/>
+            <a:ext cx="12192000" cy="522900"/>
+          </a:xfrm>
+        </p:spPr>
+        <p:txBody>
+          <a:bodyPr>
+            <a:noAutofit/>
+          </a:bodyPr>
+          <a:lstStyle/>
+          <a:p>
+            <a:r>
+              <a:rPr lang="ru-RU" sz="2800" b="1" dirty="0">
+                <a:solidFill>
+                  <a:srgbClr val="002060"/>
+                </a:solidFill>
+              </a:rPr>
+              <a:t>2. Разработка алгоритма синхронизации переключения текущей (рабочей) и применяемой программ</a:t>
+            </a:r>
+            <a:endParaRPr lang="ru-RU" sz="3200" b="1" dirty="0">
+              <a:solidFill>
+                <a:srgbClr val="002060"/>
+              </a:solidFill>
+            </a:endParaRPr>
           </a:p>
         </p:txBody>
       </p:sp>
@@ -3790,19 +4058,282 @@
             <p:ph idx="1"/>
           </p:nvPr>
         </p:nvSpPr>
-        <p:spPr/>
-        <p:txBody>
-          <a:bodyPr/>
-          <a:lstStyle/>
-          <a:p>
-            <a:endParaRPr lang="ru-RU"/>
-          </a:p>
-        </p:txBody>
-      </p:sp>
+        <p:spPr>
+          <a:xfrm>
+            <a:off x="108332" y="1054198"/>
+            <a:ext cx="12083668" cy="5803801"/>
+          </a:xfrm>
+        </p:spPr>
+        <p:txBody>
+          <a:bodyPr>
+            <a:normAutofit fontScale="92500" lnSpcReduction="20000"/>
+          </a:bodyPr>
+          <a:lstStyle/>
+          <a:p>
+            <a:pPr marL="0" indent="0">
+              <a:buNone/>
+            </a:pPr>
+            <a:r>
+              <a:rPr lang="ru-RU" sz="3200" dirty="0">
+                <a:solidFill>
+                  <a:srgbClr val="002060"/>
+                </a:solidFill>
+              </a:rPr>
+              <a:t>Модель решения:</a:t>
+            </a:r>
+          </a:p>
+          <a:p>
+            <a:pPr marL="514350" indent="-514350">
+              <a:buAutoNum type="arabicParenR"/>
+            </a:pPr>
+            <a:r>
+              <a:rPr lang="ru-RU" sz="3200" dirty="0">
+                <a:solidFill>
+                  <a:srgbClr val="002060"/>
+                </a:solidFill>
+              </a:rPr>
+              <a:t>Определить конец </a:t>
+            </a:r>
+            <a:r>
+              <a:rPr lang="en-US" sz="3200" dirty="0" err="1">
+                <a:solidFill>
+                  <a:srgbClr val="002060"/>
+                </a:solidFill>
+              </a:rPr>
+              <a:t>T_osn</a:t>
+            </a:r>
+            <a:r>
+              <a:rPr lang="ru-RU" sz="3200" dirty="0">
+                <a:solidFill>
+                  <a:srgbClr val="002060"/>
+                </a:solidFill>
+              </a:rPr>
+              <a:t> текущей программы</a:t>
+            </a:r>
+            <a:endParaRPr lang="en-US" sz="3200" dirty="0">
+              <a:solidFill>
+                <a:srgbClr val="002060"/>
+              </a:solidFill>
+            </a:endParaRPr>
+          </a:p>
+          <a:p>
+            <a:pPr marL="514350" indent="-514350">
+              <a:buAutoNum type="arabicParenR"/>
+            </a:pPr>
+            <a:r>
+              <a:rPr lang="ru-RU" sz="3200" dirty="0">
+                <a:solidFill>
+                  <a:srgbClr val="002060"/>
+                </a:solidFill>
+              </a:rPr>
+              <a:t>Поменять программу в</a:t>
+            </a:r>
+            <a:r>
+              <a:rPr lang="en-US" sz="3200" dirty="0">
+                <a:solidFill>
+                  <a:srgbClr val="002060"/>
+                </a:solidFill>
+              </a:rPr>
+              <a:t> </a:t>
+            </a:r>
+            <a:r>
+              <a:rPr lang="ru-RU" sz="3200" dirty="0">
+                <a:solidFill>
+                  <a:srgbClr val="002060"/>
+                </a:solidFill>
+              </a:rPr>
+              <a:t>момент </a:t>
+            </a:r>
+            <a:r>
+              <a:rPr lang="en-US" sz="3200" dirty="0" err="1">
+                <a:solidFill>
+                  <a:srgbClr val="002060"/>
+                </a:solidFill>
+              </a:rPr>
+              <a:t>T_prom</a:t>
+            </a:r>
+            <a:endParaRPr lang="en-US" sz="3200" dirty="0">
+              <a:solidFill>
+                <a:srgbClr val="002060"/>
+              </a:solidFill>
+            </a:endParaRPr>
+          </a:p>
+          <a:p>
+            <a:pPr marL="0" indent="0">
+              <a:buNone/>
+            </a:pPr>
+            <a:r>
+              <a:rPr lang="en-US" sz="3200" dirty="0">
+                <a:solidFill>
+                  <a:srgbClr val="002060"/>
+                </a:solidFill>
+              </a:rPr>
+              <a:t>3) </a:t>
+            </a:r>
+            <a:r>
+              <a:rPr lang="ru-RU" sz="3200" dirty="0">
+                <a:solidFill>
+                  <a:srgbClr val="002060"/>
+                </a:solidFill>
+              </a:rPr>
+              <a:t> </a:t>
+            </a:r>
+          </a:p>
+          <a:p>
+            <a:pPr marL="0" indent="0">
+              <a:buNone/>
+            </a:pPr>
+            <a:endParaRPr lang="ru-RU" sz="3200" dirty="0">
+              <a:solidFill>
+                <a:srgbClr val="002060"/>
+              </a:solidFill>
+            </a:endParaRPr>
+          </a:p>
+          <a:p>
+            <a:pPr marL="0" indent="0">
+              <a:buNone/>
+            </a:pPr>
+            <a:endParaRPr lang="ru-RU" sz="3200" dirty="0">
+              <a:solidFill>
+                <a:srgbClr val="002060"/>
+              </a:solidFill>
+            </a:endParaRPr>
+          </a:p>
+          <a:p>
+            <a:pPr marL="0" indent="0">
+              <a:buNone/>
+            </a:pPr>
+            <a:endParaRPr lang="ru-RU" sz="3200" dirty="0">
+              <a:solidFill>
+                <a:srgbClr val="002060"/>
+              </a:solidFill>
+            </a:endParaRPr>
+          </a:p>
+          <a:p>
+            <a:pPr marL="0" indent="0">
+              <a:buNone/>
+            </a:pPr>
+            <a:r>
+              <a:rPr lang="ru-RU" sz="3200" dirty="0">
+                <a:solidFill>
+                  <a:srgbClr val="002060"/>
+                </a:solidFill>
+              </a:rPr>
+              <a:t>Особенности решения:</a:t>
+            </a:r>
+            <a:endParaRPr lang="en-US" sz="3200" dirty="0">
+              <a:solidFill>
+                <a:srgbClr val="002060"/>
+              </a:solidFill>
+            </a:endParaRPr>
+          </a:p>
+          <a:p>
+            <a:r>
+              <a:rPr lang="en-US" sz="3200" dirty="0" err="1">
+                <a:solidFill>
+                  <a:srgbClr val="002060"/>
+                </a:solidFill>
+              </a:rPr>
+              <a:t>T_osn</a:t>
+            </a:r>
+            <a:r>
+              <a:rPr lang="en-US" sz="3200" dirty="0">
+                <a:solidFill>
+                  <a:srgbClr val="002060"/>
+                </a:solidFill>
+              </a:rPr>
+              <a:t> – </a:t>
+            </a:r>
+            <a:r>
+              <a:rPr lang="ru-RU" sz="3200" dirty="0">
+                <a:solidFill>
+                  <a:srgbClr val="002060"/>
+                </a:solidFill>
+              </a:rPr>
+              <a:t>основное время фазы</a:t>
+            </a:r>
+          </a:p>
+          <a:p>
+            <a:r>
+              <a:rPr lang="en-US" sz="3200" dirty="0" err="1">
+                <a:solidFill>
+                  <a:srgbClr val="002060"/>
+                </a:solidFill>
+              </a:rPr>
+              <a:t>T_prom</a:t>
+            </a:r>
+            <a:r>
+              <a:rPr lang="ru-RU" sz="3200" dirty="0">
+                <a:solidFill>
+                  <a:srgbClr val="002060"/>
+                </a:solidFill>
+              </a:rPr>
+              <a:t> – время на изменение фазы</a:t>
+            </a:r>
+          </a:p>
+          <a:p>
+            <a:r>
+              <a:rPr lang="ru-RU" dirty="0">
+                <a:solidFill>
+                  <a:srgbClr val="0078D2"/>
+                </a:solidFill>
+              </a:rPr>
+              <a:t>Так как необходимо поменять программу на группе светофоров, мы ищем для них общее время завершения фазы, если его нет, то мы устанавливаем время фазы для всех одну, равную самому позднему времени конца фазы</a:t>
+            </a:r>
+          </a:p>
+        </p:txBody>
+      </p:sp>
+      <p:cxnSp>
+        <p:nvCxnSpPr>
+          <p:cNvPr id="5" name="Прямая соединительная линия 4"/>
+          <p:cNvCxnSpPr/>
+          <p:nvPr/>
+        </p:nvCxnSpPr>
+        <p:spPr>
+          <a:xfrm flipV="1">
+            <a:off x="108332" y="880088"/>
+            <a:ext cx="11975335" cy="2"/>
+          </a:xfrm>
+          <a:prstGeom prst="line">
+            <a:avLst/>
+          </a:prstGeom>
+          <a:ln w="34925">
+            <a:gradFill>
+              <a:gsLst>
+                <a:gs pos="0">
+                  <a:schemeClr val="accent2">
+                    <a:lumMod val="75000"/>
+                  </a:schemeClr>
+                </a:gs>
+                <a:gs pos="100000">
+                  <a:schemeClr val="accent1">
+                    <a:lumMod val="75000"/>
+                  </a:schemeClr>
+                </a:gs>
+              </a:gsLst>
+              <a:lin ang="0" scaled="0"/>
+            </a:gradFill>
+          </a:ln>
+        </p:spPr>
+        <p:style>
+          <a:lnRef idx="3">
+            <a:schemeClr val="accent2"/>
+          </a:lnRef>
+          <a:fillRef idx="0">
+            <a:schemeClr val="accent2"/>
+          </a:fillRef>
+          <a:effectRef idx="2">
+            <a:schemeClr val="accent2"/>
+          </a:effectRef>
+          <a:fontRef idx="minor">
+            <a:schemeClr val="tx1"/>
+          </a:fontRef>
+        </p:style>
+      </p:cxnSp>
     </p:spTree>
     <p:extLst>
       <p:ext uri="{BB962C8B-B14F-4D97-AF65-F5344CB8AC3E}">
-        <p14:creationId xmlns:p14="http://schemas.microsoft.com/office/powerpoint/2010/main" val="3989944946"/>
+        <p14:creationId xmlns:p14="http://schemas.microsoft.com/office/powerpoint/2010/main" val="1965072882"/>
       </p:ext>
     </p:extLst>
   </p:cSld>
@@ -3845,180 +4376,45 @@
           <a:lstStyle/>
           <a:p>
             <a:r>
-              <a:rPr lang="ru-RU" dirty="0" smtClean="0"/>
-              <a:t>3 задача...</a:t>
-            </a:r>
-            <a:endParaRPr lang="ru-RU" dirty="0"/>
-          </a:p>
-        </p:txBody>
-      </p:sp>
-      <p:sp>
-        <p:nvSpPr>
-          <p:cNvPr id="3" name="Объект 2"/>
-          <p:cNvSpPr>
-            <a:spLocks noGrp="1"/>
-          </p:cNvSpPr>
+              <a:rPr lang="ru-RU" dirty="0"/>
+              <a:t>Демонстрация</a:t>
+            </a:r>
+          </a:p>
+        </p:txBody>
+      </p:sp>
+      <p:pic>
+        <p:nvPicPr>
+          <p:cNvPr id="6" name="Объект 5">
+            <a:extLst>
+              <a:ext uri="{FF2B5EF4-FFF2-40B4-BE49-F238E27FC236}">
+                <a16:creationId xmlns:a16="http://schemas.microsoft.com/office/drawing/2014/main" id="{FA4C70AB-6670-4E8A-BB8C-F9458F675E28}"/>
+              </a:ext>
+            </a:extLst>
+          </p:cNvPr>
+          <p:cNvPicPr>
+            <a:picLocks noGrp="1" noChangeAspect="1"/>
+          </p:cNvPicPr>
           <p:nvPr>
             <p:ph idx="1"/>
           </p:nvPr>
-        </p:nvSpPr>
-        <p:spPr/>
-        <p:txBody>
-          <a:bodyPr/>
-          <a:lstStyle/>
-          <a:p>
-            <a:endParaRPr lang="ru-RU"/>
-          </a:p>
-        </p:txBody>
-      </p:sp>
-    </p:spTree>
-    <p:extLst>
-      <p:ext uri="{BB962C8B-B14F-4D97-AF65-F5344CB8AC3E}">
-        <p14:creationId xmlns:p14="http://schemas.microsoft.com/office/powerpoint/2010/main" val="2451008340"/>
-      </p:ext>
-    </p:extLst>
-  </p:cSld>
-  <p:clrMapOvr>
-    <a:masterClrMapping/>
-  </p:clrMapOvr>
-</p:sld>
-</file>
-
-<file path=ppt/slides/slide6.xml><?xml version="1.0" encoding="utf-8"?>
-<p:sld xmlns:a="http://schemas.openxmlformats.org/drawingml/2006/main" xmlns:r="http://schemas.openxmlformats.org/officeDocument/2006/relationships" xmlns:p="http://schemas.openxmlformats.org/presentationml/2006/main">
-  <p:cSld>
-    <p:spTree>
-      <p:nvGrpSpPr>
-        <p:cNvPr id="1" name=""/>
-        <p:cNvGrpSpPr/>
-        <p:nvPr/>
-      </p:nvGrpSpPr>
-      <p:grpSpPr>
-        <a:xfrm>
-          <a:off x="0" y="0"/>
-          <a:ext cx="0" cy="0"/>
-          <a:chOff x="0" y="0"/>
-          <a:chExt cx="0" cy="0"/>
-        </a:xfrm>
-      </p:grpSpPr>
-      <p:sp>
-        <p:nvSpPr>
-          <p:cNvPr id="2" name="Заголовок 1"/>
-          <p:cNvSpPr>
-            <a:spLocks noGrp="1"/>
-          </p:cNvSpPr>
-          <p:nvPr>
-            <p:ph type="title"/>
-          </p:nvPr>
-        </p:nvSpPr>
-        <p:spPr/>
-        <p:txBody>
-          <a:bodyPr/>
-          <a:lstStyle/>
-          <a:p>
-            <a:r>
-              <a:rPr lang="ru-RU" dirty="0" smtClean="0"/>
-              <a:t>Демонстрация</a:t>
-            </a:r>
-            <a:endParaRPr lang="ru-RU" dirty="0"/>
-          </a:p>
-        </p:txBody>
-      </p:sp>
-      <p:sp>
-        <p:nvSpPr>
-          <p:cNvPr id="3" name="Объект 2"/>
-          <p:cNvSpPr>
-            <a:spLocks noGrp="1"/>
-          </p:cNvSpPr>
-          <p:nvPr>
-            <p:ph idx="1"/>
-          </p:nvPr>
-        </p:nvSpPr>
-        <p:spPr/>
-        <p:txBody>
-          <a:bodyPr/>
-          <a:lstStyle/>
-          <a:p>
-            <a:endParaRPr lang="ru-RU"/>
-          </a:p>
-        </p:txBody>
-      </p:sp>
+        </p:nvPicPr>
+        <p:blipFill>
+          <a:blip r:embed="rId2"/>
+          <a:stretch>
+            <a:fillRect/>
+          </a:stretch>
+        </p:blipFill>
+        <p:spPr>
+          <a:xfrm>
+            <a:off x="1017411" y="1433078"/>
+            <a:ext cx="9644303" cy="5424921"/>
+          </a:xfrm>
+        </p:spPr>
+      </p:pic>
     </p:spTree>
     <p:extLst>
       <p:ext uri="{BB962C8B-B14F-4D97-AF65-F5344CB8AC3E}">
         <p14:creationId xmlns:p14="http://schemas.microsoft.com/office/powerpoint/2010/main" val="1112301562"/>
-      </p:ext>
-    </p:extLst>
-  </p:cSld>
-  <p:clrMapOvr>
-    <a:masterClrMapping/>
-  </p:clrMapOvr>
-</p:sld>
-</file>
-
-<file path=ppt/slides/slide7.xml><?xml version="1.0" encoding="utf-8"?>
-<p:sld xmlns:a="http://schemas.openxmlformats.org/drawingml/2006/main" xmlns:r="http://schemas.openxmlformats.org/officeDocument/2006/relationships" xmlns:p="http://schemas.openxmlformats.org/presentationml/2006/main">
-  <p:cSld>
-    <p:spTree>
-      <p:nvGrpSpPr>
-        <p:cNvPr id="1" name=""/>
-        <p:cNvGrpSpPr/>
-        <p:nvPr/>
-      </p:nvGrpSpPr>
-      <p:grpSpPr>
-        <a:xfrm>
-          <a:off x="0" y="0"/>
-          <a:ext cx="0" cy="0"/>
-          <a:chOff x="0" y="0"/>
-          <a:chExt cx="0" cy="0"/>
-        </a:xfrm>
-      </p:grpSpPr>
-      <p:sp>
-        <p:nvSpPr>
-          <p:cNvPr id="2" name="Заголовок 1"/>
-          <p:cNvSpPr>
-            <a:spLocks noGrp="1"/>
-          </p:cNvSpPr>
-          <p:nvPr>
-            <p:ph type="title"/>
-          </p:nvPr>
-        </p:nvSpPr>
-        <p:spPr/>
-        <p:txBody>
-          <a:bodyPr/>
-          <a:lstStyle/>
-          <a:p>
-            <a:r>
-              <a:rPr lang="ru-RU" dirty="0" smtClean="0"/>
-              <a:t>Итоги</a:t>
-            </a:r>
-            <a:endParaRPr lang="ru-RU" dirty="0"/>
-          </a:p>
-        </p:txBody>
-      </p:sp>
-      <p:sp>
-        <p:nvSpPr>
-          <p:cNvPr id="3" name="Объект 2"/>
-          <p:cNvSpPr>
-            <a:spLocks noGrp="1"/>
-          </p:cNvSpPr>
-          <p:nvPr>
-            <p:ph idx="1"/>
-          </p:nvPr>
-        </p:nvSpPr>
-        <p:spPr/>
-        <p:txBody>
-          <a:bodyPr/>
-          <a:lstStyle/>
-          <a:p>
-            <a:endParaRPr lang="ru-RU"/>
-          </a:p>
-        </p:txBody>
-      </p:sp>
-    </p:spTree>
-    <p:extLst>
-      <p:ext uri="{BB962C8B-B14F-4D97-AF65-F5344CB8AC3E}">
-        <p14:creationId xmlns:p14="http://schemas.microsoft.com/office/powerpoint/2010/main" val="3001430973"/>
       </p:ext>
     </p:extLst>
   </p:cSld>
